--- a/PresentaciónStarkey 17.pptx
+++ b/PresentaciónStarkey 17.pptx
@@ -130,7 +130,7 @@
   </p:defaultTextStyle>
   <p:extLst>
     <p:ext uri="{EFAFB233-063F-42B5-8137-9DF3F51BA10A}">
-      <p15:sldGuideLst xmlns:p15="http://schemas.microsoft.com/office/powerpoint/2012/main" xmlns="">
+      <p15:sldGuideLst xmlns="" xmlns:p15="http://schemas.microsoft.com/office/powerpoint/2012/main">
         <p15:guide id="1" orient="horz" pos="2160">
           <p15:clr>
             <a:srgbClr val="A4A3A4"/>
@@ -5199,14 +5199,7 @@
               <a:latin typeface="Arial" panose="020B0604020202020204" pitchFamily="34" charset="0"/>
               <a:cs typeface="Arial" panose="020B0604020202020204" pitchFamily="34" charset="0"/>
             </a:rPr>
-            <a:t>Personas con limitaciones </a:t>
-          </a:r>
-          <a:r>
-            <a:rPr lang="es-PE" sz="1600" dirty="0" smtClean="0">
-              <a:latin typeface="Arial" panose="020B0604020202020204" pitchFamily="34" charset="0"/>
-              <a:cs typeface="Arial" panose="020B0604020202020204" pitchFamily="34" charset="0"/>
-            </a:rPr>
-            <a:t>auditivas.</a:t>
+            <a:t>Personas con limitaciones auditivas.</a:t>
           </a:r>
           <a:endParaRPr lang="es-PE" sz="1600" dirty="0">
             <a:latin typeface="Arial" panose="020B0604020202020204" pitchFamily="34" charset="0"/>
@@ -6093,7 +6086,7 @@
               <a:latin typeface="Arial" panose="020B0604020202020204" pitchFamily="34" charset="0"/>
               <a:cs typeface="Arial" panose="020B0604020202020204" pitchFamily="34" charset="0"/>
             </a:rPr>
-            <a:t>(-) </a:t>
+            <a:t>(+) </a:t>
           </a:r>
           <a:r>
             <a:rPr lang="es-PE" sz="1600" dirty="0" smtClean="0">
@@ -6148,6 +6141,13 @@
         </dgm:presLayoutVars>
       </dgm:prSet>
       <dgm:spPr/>
+      <dgm:t>
+        <a:bodyPr/>
+        <a:lstStyle/>
+        <a:p>
+          <a:endParaRPr lang="es-PE"/>
+        </a:p>
+      </dgm:t>
     </dgm:pt>
     <dgm:pt modelId="{4DA46841-A7C7-44AE-BBE3-807713BBA6BF}" type="pres">
       <dgm:prSet presAssocID="{11C987DF-2397-4623-A617-AB325DB1044E}" presName="matrix" presStyleCnt="0"/>
@@ -6296,8 +6296,8 @@
     <dgm:cxn modelId="{A582828D-207C-431A-9325-074945443A64}" type="presOf" srcId="{3C0A40CF-6709-4A99-9AEB-F41DF40F1DD0}" destId="{0283E6BD-561E-4BC8-9D8F-ED724C7F67FB}" srcOrd="1" destOrd="0" presId="urn:microsoft.com/office/officeart/2005/8/layout/matrix1"/>
     <dgm:cxn modelId="{068B8CEC-E035-4B11-BA03-56A762B9ECE4}" srcId="{D7A29AA5-D447-44D2-96F2-A24C7B092BAD}" destId="{E95F429E-E8C0-4268-B526-B693AB0F0D47}" srcOrd="3" destOrd="0" parTransId="{79101D3B-6A2C-4ADB-86EB-7AD83564852F}" sibTransId="{83E14E4E-5A5F-457F-BDBE-C7CB88D9CECE}"/>
     <dgm:cxn modelId="{7DED3166-6C71-4DD6-B6FC-E216C667FE48}" type="presOf" srcId="{3C0A40CF-6709-4A99-9AEB-F41DF40F1DD0}" destId="{ECE88B7D-B246-46BC-939E-1763B4ED74D7}" srcOrd="0" destOrd="0" presId="urn:microsoft.com/office/officeart/2005/8/layout/matrix1"/>
+    <dgm:cxn modelId="{19F721DD-B09D-4144-9A53-30CF29CFBD04}" type="presOf" srcId="{D7A29AA5-D447-44D2-96F2-A24C7B092BAD}" destId="{A18D1D2F-B5FF-477C-97E6-5B74B1DB4AB1}" srcOrd="0" destOrd="0" presId="urn:microsoft.com/office/officeart/2005/8/layout/matrix1"/>
     <dgm:cxn modelId="{5C682631-C8A7-4158-BE79-ECC5888F3EFF}" type="presOf" srcId="{BDAC49E9-72B9-40E6-8F12-F150B9DD1D41}" destId="{BD68394C-1A7B-4AA8-9C27-E5B93EC1B4BE}" srcOrd="0" destOrd="0" presId="urn:microsoft.com/office/officeart/2005/8/layout/matrix1"/>
-    <dgm:cxn modelId="{19F721DD-B09D-4144-9A53-30CF29CFBD04}" type="presOf" srcId="{D7A29AA5-D447-44D2-96F2-A24C7B092BAD}" destId="{A18D1D2F-B5FF-477C-97E6-5B74B1DB4AB1}" srcOrd="0" destOrd="0" presId="urn:microsoft.com/office/officeart/2005/8/layout/matrix1"/>
     <dgm:cxn modelId="{84BF131E-FC47-4C33-ADF8-84AD907FDDF9}" type="presParOf" srcId="{6634F057-A432-43A3-8C9C-9D786147C5EB}" destId="{4DA46841-A7C7-44AE-BBE3-807713BBA6BF}" srcOrd="0" destOrd="0" presId="urn:microsoft.com/office/officeart/2005/8/layout/matrix1"/>
     <dgm:cxn modelId="{E49C384B-1782-4766-8EFB-8A563277CCC4}" type="presParOf" srcId="{4DA46841-A7C7-44AE-BBE3-807713BBA6BF}" destId="{2E2EB3D2-C492-49DF-B66A-807DD2D8103F}" srcOrd="0" destOrd="0" presId="urn:microsoft.com/office/officeart/2005/8/layout/matrix1"/>
     <dgm:cxn modelId="{BC1C9609-E538-4737-AEA5-F3827A06EC07}" type="presParOf" srcId="{4DA46841-A7C7-44AE-BBE3-807713BBA6BF}" destId="{EA9C3E2C-72E3-4C99-A61D-A83E62E6D048}" srcOrd="1" destOrd="0" presId="urn:microsoft.com/office/officeart/2005/8/layout/matrix1"/>
@@ -6594,10 +6594,6 @@
             </a:rPr>
             <a:t>intercompany.</a:t>
           </a:r>
-          <a:endParaRPr lang="es-PE" sz="1600" i="1" dirty="0" smtClean="0">
-            <a:latin typeface="Arial" panose="020B0604020202020204" pitchFamily="34" charset="0"/>
-            <a:cs typeface="Arial" panose="020B0604020202020204" pitchFamily="34" charset="0"/>
-          </a:endParaRPr>
         </a:p>
       </dgm:t>
     </dgm:pt>
@@ -6739,10 +6735,6 @@
             </a:rPr>
             <a:t>Número de locales de atención.</a:t>
           </a:r>
-          <a:endParaRPr lang="es-PE" sz="1600" dirty="0" smtClean="0">
-            <a:latin typeface="Arial" panose="020B0604020202020204" pitchFamily="34" charset="0"/>
-            <a:cs typeface="Arial" panose="020B0604020202020204" pitchFamily="34" charset="0"/>
-          </a:endParaRPr>
         </a:p>
       </dgm:t>
     </dgm:pt>
@@ -6782,10 +6774,6 @@
             </a:rPr>
             <a:t>Red de ORL.</a:t>
           </a:r>
-          <a:endParaRPr lang="es-PE" sz="1600" dirty="0" smtClean="0">
-            <a:latin typeface="Arial" panose="020B0604020202020204" pitchFamily="34" charset="0"/>
-            <a:cs typeface="Arial" panose="020B0604020202020204" pitchFamily="34" charset="0"/>
-          </a:endParaRPr>
         </a:p>
       </dgm:t>
     </dgm:pt>
@@ -6942,9 +6930,9 @@
     </dgm:pt>
   </dgm:ptLst>
   <dgm:cxnLst>
-    <dgm:cxn modelId="{3C8C965B-30FB-47AD-A378-C68D86E58733}" srcId="{DFCA886C-0854-416A-B460-94CA96D39300}" destId="{57969DCE-F2E2-44C4-9EEF-F418ECF47F9E}" srcOrd="1" destOrd="0" parTransId="{A8BF8369-757F-4C58-85FF-ACFD1011C722}" sibTransId="{75C15A5E-FB19-4B92-8B8E-BB81E1882C7B}"/>
     <dgm:cxn modelId="{8FD7CA00-AC71-4502-BECF-225AE1A382AC}" type="presOf" srcId="{57969DCE-F2E2-44C4-9EEF-F418ECF47F9E}" destId="{49020031-70AA-4C11-8E18-AFBB08C9903B}" srcOrd="0" destOrd="1" presId="urn:microsoft.com/office/officeart/2005/8/layout/vList6"/>
     <dgm:cxn modelId="{CBF4654C-8045-4B7E-80B3-4E9662BFEFE0}" type="presOf" srcId="{DFCA886C-0854-416A-B460-94CA96D39300}" destId="{E6C6E19A-057B-4E09-B361-9C0412EFDF5E}" srcOrd="0" destOrd="0" presId="urn:microsoft.com/office/officeart/2005/8/layout/vList6"/>
+    <dgm:cxn modelId="{3C8C965B-30FB-47AD-A378-C68D86E58733}" srcId="{DFCA886C-0854-416A-B460-94CA96D39300}" destId="{57969DCE-F2E2-44C4-9EEF-F418ECF47F9E}" srcOrd="1" destOrd="0" parTransId="{A8BF8369-757F-4C58-85FF-ACFD1011C722}" sibTransId="{75C15A5E-FB19-4B92-8B8E-BB81E1882C7B}"/>
     <dgm:cxn modelId="{D5865863-AE61-4484-ABAA-57C1FD520704}" srcId="{DFCA886C-0854-416A-B460-94CA96D39300}" destId="{B1E7D1AE-9E9D-4657-B095-E5FE58C0D3E3}" srcOrd="3" destOrd="0" parTransId="{F20F0BA1-F0B2-4F3E-A508-3B711FD22A8D}" sibTransId="{CB5FECD7-D31B-4BA8-AA16-335E6441CA58}"/>
     <dgm:cxn modelId="{7C70F488-9548-47ED-B9AD-FE0ACF3ADCF0}" type="presOf" srcId="{0D2121F4-3CB6-402E-A756-00E12514DB2D}" destId="{A1F4B4CB-F77D-436B-A1FE-5C58B2235B36}" srcOrd="0" destOrd="4" presId="urn:microsoft.com/office/officeart/2005/8/layout/vList6"/>
     <dgm:cxn modelId="{0CD8E6AF-2991-4BD4-B061-B26A9BEA599A}" srcId="{3A6E50A6-0676-410C-BF7A-9524A0FCE215}" destId="{13700D58-2A29-4C0A-B21A-58882FAEB1BE}" srcOrd="1" destOrd="0" parTransId="{B6F86F3D-7FE0-4FEE-9041-2CCB097AC97B}" sibTransId="{768E27B8-7B49-4D50-8B90-C38377D4CCFC}"/>
@@ -7076,31 +7064,7 @@
               <a:latin typeface="Arial" panose="020B0604020202020204" pitchFamily="34" charset="0"/>
               <a:cs typeface="Arial" panose="020B0604020202020204" pitchFamily="34" charset="0"/>
             </a:rPr>
-            <a:t>atención personalizada y especializada</a:t>
-          </a:r>
-          <a:r>
-            <a:rPr lang="es-PE" sz="1600" b="0" u="none" strike="noStrike" dirty="0" smtClean="0">
-              <a:effectLst/>
-              <a:latin typeface="Arial" panose="020B0604020202020204" pitchFamily="34" charset="0"/>
-              <a:cs typeface="Arial" panose="020B0604020202020204" pitchFamily="34" charset="0"/>
-            </a:rPr>
-            <a:t>). </a:t>
-          </a:r>
-          <a:r>
-            <a:rPr lang="es-PE" sz="1600" b="0" u="none" strike="noStrike" dirty="0" smtClean="0">
-              <a:effectLst/>
-              <a:latin typeface="Arial" panose="020B0604020202020204" pitchFamily="34" charset="0"/>
-              <a:cs typeface="Arial" panose="020B0604020202020204" pitchFamily="34" charset="0"/>
-            </a:rPr>
-            <a:t>(VCT</a:t>
-          </a:r>
-          <a:r>
-            <a:rPr lang="es-PE" sz="1600" b="0" u="none" strike="noStrike" dirty="0" smtClean="0">
-              <a:effectLst/>
-              <a:latin typeface="Arial" panose="020B0604020202020204" pitchFamily="34" charset="0"/>
-              <a:cs typeface="Arial" panose="020B0604020202020204" pitchFamily="34" charset="0"/>
-            </a:rPr>
-            <a:t>)</a:t>
+            <a:t>atención personalizada y especializada). (VCT)</a:t>
           </a:r>
           <a:endParaRPr lang="es-PE" sz="1600" dirty="0">
             <a:latin typeface="Arial" panose="020B0604020202020204" pitchFamily="34" charset="0"/>
@@ -7188,15 +7152,7 @@
               <a:latin typeface="Arial" panose="020B0604020202020204" pitchFamily="34" charset="0"/>
               <a:cs typeface="Arial" panose="020B0604020202020204" pitchFamily="34" charset="0"/>
             </a:rPr>
-            <a:t>Gestión corporativa en el desarrollo de la estrategia local. (VCS</a:t>
-          </a:r>
-          <a:r>
-            <a:rPr lang="es-PE" sz="1600" b="0" u="none" strike="noStrike" dirty="0" smtClean="0">
-              <a:effectLst/>
-              <a:latin typeface="Arial" panose="020B0604020202020204" pitchFamily="34" charset="0"/>
-              <a:cs typeface="Arial" panose="020B0604020202020204" pitchFamily="34" charset="0"/>
-            </a:rPr>
-            <a:t>)</a:t>
+            <a:t>Gestión corporativa en el desarrollo de la estrategia local. (VCS)</a:t>
           </a:r>
           <a:endParaRPr lang="es-PE" sz="1600" dirty="0">
             <a:latin typeface="Arial" panose="020B0604020202020204" pitchFamily="34" charset="0"/>
@@ -8058,21 +8014,7 @@
               <a:latin typeface="Arial" panose="020B0604020202020204" pitchFamily="34" charset="0"/>
               <a:cs typeface="Arial" panose="020B0604020202020204" pitchFamily="34" charset="0"/>
             </a:rPr>
-            <a:t>Producto: </a:t>
-          </a:r>
-          <a:r>
-            <a:rPr lang="es-PE" sz="1600" b="0" dirty="0" smtClean="0">
-              <a:latin typeface="Arial" panose="020B0604020202020204" pitchFamily="34" charset="0"/>
-              <a:cs typeface="Arial" panose="020B0604020202020204" pitchFamily="34" charset="0"/>
-            </a:rPr>
-            <a:t>Tecnología, servicio, garantía </a:t>
-          </a:r>
-          <a:r>
-            <a:rPr lang="es-PE" sz="1600" b="0" dirty="0" smtClean="0">
-              <a:latin typeface="Arial" panose="020B0604020202020204" pitchFamily="34" charset="0"/>
-              <a:cs typeface="Arial" panose="020B0604020202020204" pitchFamily="34" charset="0"/>
-            </a:rPr>
-            <a:t>y financiamiento.</a:t>
+            <a:t>Producto: Tecnología, servicio, garantía y financiamiento.</a:t>
           </a:r>
           <a:endParaRPr lang="es-PE" sz="1600" b="0" dirty="0">
             <a:latin typeface="Arial" panose="020B0604020202020204" pitchFamily="34" charset="0"/>
@@ -8115,14 +8057,7 @@
               <a:latin typeface="Arial" panose="020B0604020202020204" pitchFamily="34" charset="0"/>
               <a:cs typeface="Arial" panose="020B0604020202020204" pitchFamily="34" charset="0"/>
             </a:rPr>
-            <a:t>Precio: </a:t>
-          </a:r>
-          <a:r>
-            <a:rPr lang="es-PE" sz="1600" b="0" dirty="0" smtClean="0">
-              <a:latin typeface="Arial" panose="020B0604020202020204" pitchFamily="34" charset="0"/>
-              <a:cs typeface="Arial" panose="020B0604020202020204" pitchFamily="34" charset="0"/>
-            </a:rPr>
-            <a:t>Dólares, refleja calidad.</a:t>
+            <a:t>Precio: Dólares, refleja calidad.</a:t>
           </a:r>
           <a:endParaRPr lang="es-PE" sz="1600" b="0" dirty="0">
             <a:latin typeface="Arial" panose="020B0604020202020204" pitchFamily="34" charset="0"/>
@@ -8165,19 +8100,8 @@
               <a:latin typeface="Arial" panose="020B0604020202020204" pitchFamily="34" charset="0"/>
               <a:cs typeface="Arial" panose="020B0604020202020204" pitchFamily="34" charset="0"/>
             </a:rPr>
-            <a:t>Plaza: </a:t>
+            <a:t>Plaza: San Borja, San Isidro, Miraflores y San Miguel.</a:t>
           </a:r>
-          <a:r>
-            <a:rPr lang="es-PE" sz="1600" b="0" dirty="0" smtClean="0">
-              <a:latin typeface="Arial" panose="020B0604020202020204" pitchFamily="34" charset="0"/>
-              <a:cs typeface="Arial" panose="020B0604020202020204" pitchFamily="34" charset="0"/>
-            </a:rPr>
-            <a:t>San Borja, San Isidro, Miraflores y San Miguel.</a:t>
-          </a:r>
-          <a:endParaRPr lang="es-PE" sz="1600" b="0" dirty="0" smtClean="0">
-            <a:latin typeface="Arial" panose="020B0604020202020204" pitchFamily="34" charset="0"/>
-            <a:cs typeface="Arial" panose="020B0604020202020204" pitchFamily="34" charset="0"/>
-          </a:endParaRPr>
         </a:p>
         <a:p>
           <a:r>
@@ -8228,14 +8152,7 @@
               <a:latin typeface="Arial" panose="020B0604020202020204" pitchFamily="34" charset="0"/>
               <a:cs typeface="Arial" panose="020B0604020202020204" pitchFamily="34" charset="0"/>
             </a:rPr>
-            <a:t>Promoción: Publicidad, promoción, relaciones públicas y ventas </a:t>
-          </a:r>
-          <a:r>
-            <a:rPr lang="es-PE" sz="1600" b="0" dirty="0" smtClean="0">
-              <a:latin typeface="Arial" panose="020B0604020202020204" pitchFamily="34" charset="0"/>
-              <a:cs typeface="Arial" panose="020B0604020202020204" pitchFamily="34" charset="0"/>
-            </a:rPr>
-            <a:t>personales (visitadores médicos). </a:t>
+            <a:t>Promoción: Publicidad, promoción, relaciones públicas y ventas personales (visitadores médicos). </a:t>
           </a:r>
           <a:endParaRPr lang="es-PE" sz="1600" b="0" dirty="0">
             <a:latin typeface="Arial" panose="020B0604020202020204" pitchFamily="34" charset="0"/>
@@ -8541,14 +8458,7 @@
               <a:latin typeface="Arial" panose="020B0604020202020204" pitchFamily="34" charset="0"/>
               <a:cs typeface="Arial" panose="020B0604020202020204" pitchFamily="34" charset="0"/>
             </a:rPr>
-            <a:t>Personas con limitaciones </a:t>
-          </a:r>
-          <a:r>
-            <a:rPr lang="es-PE" sz="1600" kern="1200" dirty="0" smtClean="0">
-              <a:latin typeface="Arial" panose="020B0604020202020204" pitchFamily="34" charset="0"/>
-              <a:cs typeface="Arial" panose="020B0604020202020204" pitchFamily="34" charset="0"/>
-            </a:rPr>
-            <a:t>auditivas.</a:t>
+            <a:t>Personas con limitaciones auditivas.</a:t>
           </a:r>
           <a:endParaRPr lang="es-PE" sz="1600" kern="1200" dirty="0">
             <a:latin typeface="Arial" panose="020B0604020202020204" pitchFamily="34" charset="0"/>
@@ -9551,7 +9461,7 @@
               <a:latin typeface="Arial" panose="020B0604020202020204" pitchFamily="34" charset="0"/>
               <a:cs typeface="Arial" panose="020B0604020202020204" pitchFamily="34" charset="0"/>
             </a:rPr>
-            <a:t>(-) </a:t>
+            <a:t>(+) </a:t>
           </a:r>
           <a:r>
             <a:rPr lang="es-PE" sz="1600" kern="1200" dirty="0" smtClean="0">
@@ -9821,10 +9731,6 @@
             </a:rPr>
             <a:t>intercompany.</a:t>
           </a:r>
-          <a:endParaRPr lang="es-PE" sz="1600" i="1" kern="1200" dirty="0" smtClean="0">
-            <a:latin typeface="Arial" panose="020B0604020202020204" pitchFamily="34" charset="0"/>
-            <a:cs typeface="Arial" panose="020B0604020202020204" pitchFamily="34" charset="0"/>
-          </a:endParaRPr>
         </a:p>
         <a:p>
           <a:pPr marL="171450" lvl="1" indent="-171450" algn="l" defTabSz="711200">
@@ -10097,10 +10003,6 @@
             </a:rPr>
             <a:t>Número de locales de atención.</a:t>
           </a:r>
-          <a:endParaRPr lang="es-PE" sz="1600" kern="1200" dirty="0" smtClean="0">
-            <a:latin typeface="Arial" panose="020B0604020202020204" pitchFamily="34" charset="0"/>
-            <a:cs typeface="Arial" panose="020B0604020202020204" pitchFamily="34" charset="0"/>
-          </a:endParaRPr>
         </a:p>
         <a:p>
           <a:pPr marL="171450" lvl="1" indent="-171450" algn="l" defTabSz="711200">
@@ -10122,10 +10024,6 @@
             </a:rPr>
             <a:t>Red de ORL.</a:t>
           </a:r>
-          <a:endParaRPr lang="es-PE" sz="1600" kern="1200" dirty="0" smtClean="0">
-            <a:latin typeface="Arial" panose="020B0604020202020204" pitchFamily="34" charset="0"/>
-            <a:cs typeface="Arial" panose="020B0604020202020204" pitchFamily="34" charset="0"/>
-          </a:endParaRPr>
         </a:p>
         <a:p>
           <a:pPr marL="171450" lvl="1" indent="-171450" algn="l" defTabSz="711200">
@@ -10444,31 +10342,7 @@
               <a:latin typeface="Arial" panose="020B0604020202020204" pitchFamily="34" charset="0"/>
               <a:cs typeface="Arial" panose="020B0604020202020204" pitchFamily="34" charset="0"/>
             </a:rPr>
-            <a:t>atención personalizada y especializada</a:t>
-          </a:r>
-          <a:r>
-            <a:rPr lang="es-PE" sz="1600" b="0" u="none" strike="noStrike" kern="1200" dirty="0" smtClean="0">
-              <a:effectLst/>
-              <a:latin typeface="Arial" panose="020B0604020202020204" pitchFamily="34" charset="0"/>
-              <a:cs typeface="Arial" panose="020B0604020202020204" pitchFamily="34" charset="0"/>
-            </a:rPr>
-            <a:t>). </a:t>
-          </a:r>
-          <a:r>
-            <a:rPr lang="es-PE" sz="1600" b="0" u="none" strike="noStrike" kern="1200" dirty="0" smtClean="0">
-              <a:effectLst/>
-              <a:latin typeface="Arial" panose="020B0604020202020204" pitchFamily="34" charset="0"/>
-              <a:cs typeface="Arial" panose="020B0604020202020204" pitchFamily="34" charset="0"/>
-            </a:rPr>
-            <a:t>(VCT</a:t>
-          </a:r>
-          <a:r>
-            <a:rPr lang="es-PE" sz="1600" b="0" u="none" strike="noStrike" kern="1200" dirty="0" smtClean="0">
-              <a:effectLst/>
-              <a:latin typeface="Arial" panose="020B0604020202020204" pitchFamily="34" charset="0"/>
-              <a:cs typeface="Arial" panose="020B0604020202020204" pitchFamily="34" charset="0"/>
-            </a:rPr>
-            <a:t>)</a:t>
+            <a:t>atención personalizada y especializada). (VCT)</a:t>
           </a:r>
           <a:endParaRPr lang="es-PE" sz="1600" kern="1200" dirty="0">
             <a:latin typeface="Arial" panose="020B0604020202020204" pitchFamily="34" charset="0"/>
@@ -10688,15 +10562,7 @@
               <a:latin typeface="Arial" panose="020B0604020202020204" pitchFamily="34" charset="0"/>
               <a:cs typeface="Arial" panose="020B0604020202020204" pitchFamily="34" charset="0"/>
             </a:rPr>
-            <a:t>Gestión corporativa en el desarrollo de la estrategia local. (VCS</a:t>
-          </a:r>
-          <a:r>
-            <a:rPr lang="es-PE" sz="1600" b="0" u="none" strike="noStrike" kern="1200" dirty="0" smtClean="0">
-              <a:effectLst/>
-              <a:latin typeface="Arial" panose="020B0604020202020204" pitchFamily="34" charset="0"/>
-              <a:cs typeface="Arial" panose="020B0604020202020204" pitchFamily="34" charset="0"/>
-            </a:rPr>
-            <a:t>)</a:t>
+            <a:t>Gestión corporativa en el desarrollo de la estrategia local. (VCS)</a:t>
           </a:r>
           <a:endParaRPr lang="es-PE" sz="1600" kern="1200" dirty="0">
             <a:latin typeface="Arial" panose="020B0604020202020204" pitchFamily="34" charset="0"/>
@@ -12208,21 +12074,7 @@
               <a:latin typeface="Arial" panose="020B0604020202020204" pitchFamily="34" charset="0"/>
               <a:cs typeface="Arial" panose="020B0604020202020204" pitchFamily="34" charset="0"/>
             </a:rPr>
-            <a:t>Producto: </a:t>
-          </a:r>
-          <a:r>
-            <a:rPr lang="es-PE" sz="1600" b="0" kern="1200" dirty="0" smtClean="0">
-              <a:latin typeface="Arial" panose="020B0604020202020204" pitchFamily="34" charset="0"/>
-              <a:cs typeface="Arial" panose="020B0604020202020204" pitchFamily="34" charset="0"/>
-            </a:rPr>
-            <a:t>Tecnología, servicio, garantía </a:t>
-          </a:r>
-          <a:r>
-            <a:rPr lang="es-PE" sz="1600" b="0" kern="1200" dirty="0" smtClean="0">
-              <a:latin typeface="Arial" panose="020B0604020202020204" pitchFamily="34" charset="0"/>
-              <a:cs typeface="Arial" panose="020B0604020202020204" pitchFamily="34" charset="0"/>
-            </a:rPr>
-            <a:t>y financiamiento.</a:t>
+            <a:t>Producto: Tecnología, servicio, garantía y financiamiento.</a:t>
           </a:r>
           <a:endParaRPr lang="es-PE" sz="1600" b="0" kern="1200" dirty="0">
             <a:latin typeface="Arial" panose="020B0604020202020204" pitchFamily="34" charset="0"/>
@@ -12394,14 +12246,7 @@
               <a:latin typeface="Arial" panose="020B0604020202020204" pitchFamily="34" charset="0"/>
               <a:cs typeface="Arial" panose="020B0604020202020204" pitchFamily="34" charset="0"/>
             </a:rPr>
-            <a:t>Precio: </a:t>
-          </a:r>
-          <a:r>
-            <a:rPr lang="es-PE" sz="1600" b="0" kern="1200" dirty="0" smtClean="0">
-              <a:latin typeface="Arial" panose="020B0604020202020204" pitchFamily="34" charset="0"/>
-              <a:cs typeface="Arial" panose="020B0604020202020204" pitchFamily="34" charset="0"/>
-            </a:rPr>
-            <a:t>Dólares, refleja calidad.</a:t>
+            <a:t>Precio: Dólares, refleja calidad.</a:t>
           </a:r>
           <a:endParaRPr lang="es-PE" sz="1600" b="0" kern="1200" dirty="0">
             <a:latin typeface="Arial" panose="020B0604020202020204" pitchFamily="34" charset="0"/>
@@ -12573,19 +12418,8 @@
               <a:latin typeface="Arial" panose="020B0604020202020204" pitchFamily="34" charset="0"/>
               <a:cs typeface="Arial" panose="020B0604020202020204" pitchFamily="34" charset="0"/>
             </a:rPr>
-            <a:t>Plaza: </a:t>
+            <a:t>Plaza: San Borja, San Isidro, Miraflores y San Miguel.</a:t>
           </a:r>
-          <a:r>
-            <a:rPr lang="es-PE" sz="1600" b="0" kern="1200" dirty="0" smtClean="0">
-              <a:latin typeface="Arial" panose="020B0604020202020204" pitchFamily="34" charset="0"/>
-              <a:cs typeface="Arial" panose="020B0604020202020204" pitchFamily="34" charset="0"/>
-            </a:rPr>
-            <a:t>San Borja, San Isidro, Miraflores y San Miguel.</a:t>
-          </a:r>
-          <a:endParaRPr lang="es-PE" sz="1600" b="0" kern="1200" dirty="0" smtClean="0">
-            <a:latin typeface="Arial" panose="020B0604020202020204" pitchFamily="34" charset="0"/>
-            <a:cs typeface="Arial" panose="020B0604020202020204" pitchFamily="34" charset="0"/>
-          </a:endParaRPr>
         </a:p>
         <a:p>
           <a:pPr lvl="0" algn="l" defTabSz="711200">
@@ -12776,14 +12610,7 @@
               <a:latin typeface="Arial" panose="020B0604020202020204" pitchFamily="34" charset="0"/>
               <a:cs typeface="Arial" panose="020B0604020202020204" pitchFamily="34" charset="0"/>
             </a:rPr>
-            <a:t>Promoción: Publicidad, promoción, relaciones públicas y ventas </a:t>
-          </a:r>
-          <a:r>
-            <a:rPr lang="es-PE" sz="1600" b="0" kern="1200" dirty="0" smtClean="0">
-              <a:latin typeface="Arial" panose="020B0604020202020204" pitchFamily="34" charset="0"/>
-              <a:cs typeface="Arial" panose="020B0604020202020204" pitchFamily="34" charset="0"/>
-            </a:rPr>
-            <a:t>personales (visitadores médicos). </a:t>
+            <a:t>Promoción: Publicidad, promoción, relaciones públicas y ventas personales (visitadores médicos). </a:t>
           </a:r>
           <a:endParaRPr lang="es-PE" sz="1600" b="0" kern="1200" dirty="0">
             <a:latin typeface="Arial" panose="020B0604020202020204" pitchFamily="34" charset="0"/>
@@ -21735,7 +21562,7 @@
           <a:p>
             <a:fld id="{D15B9575-3BA8-482B-815F-69A5094E2367}" type="datetimeFigureOut">
               <a:rPr lang="es-PE" smtClean="0"/>
-              <a:t>17/09/2017</a:t>
+              <a:t>18/09/2017</a:t>
             </a:fld>
             <a:endParaRPr lang="es-PE"/>
           </a:p>
@@ -24060,8 +23887,55 @@
                 <a:ea typeface="+mn-ea"/>
                 <a:cs typeface="+mn-cs"/>
               </a:rPr>
-              <a:t> 2017</a:t>
-            </a:r>
+              <a:t> </a:t>
+            </a:r>
+            <a:r>
+              <a:rPr lang="es-PE" sz="1200" kern="1200" baseline="0" dirty="0" smtClean="0">
+                <a:solidFill>
+                  <a:schemeClr val="tx1"/>
+                </a:solidFill>
+                <a:effectLst/>
+                <a:latin typeface="+mn-lt"/>
+                <a:ea typeface="+mn-ea"/>
+                <a:cs typeface="+mn-cs"/>
+              </a:rPr>
+              <a:t>2017</a:t>
+            </a:r>
+          </a:p>
+          <a:p>
+            <a:r>
+              <a:rPr lang="es-PE" sz="1200" kern="1200" baseline="0" dirty="0" smtClean="0">
+                <a:solidFill>
+                  <a:schemeClr val="tx1"/>
+                </a:solidFill>
+                <a:effectLst/>
+                <a:latin typeface="+mn-lt"/>
+                <a:ea typeface="+mn-ea"/>
+                <a:cs typeface="+mn-cs"/>
+              </a:rPr>
+              <a:t>La hace </a:t>
+            </a:r>
+            <a:r>
+              <a:rPr lang="es-PE" sz="1200" kern="1200" baseline="0" smtClean="0">
+                <a:solidFill>
+                  <a:schemeClr val="tx1"/>
+                </a:solidFill>
+                <a:effectLst/>
+                <a:latin typeface="+mn-lt"/>
+                <a:ea typeface="+mn-ea"/>
+                <a:cs typeface="+mn-cs"/>
+              </a:rPr>
+              <a:t>una industria</a:t>
+            </a:r>
+            <a:endParaRPr lang="es-PE" sz="1200" kern="1200" baseline="0" dirty="0" smtClean="0">
+              <a:solidFill>
+                <a:schemeClr val="tx1"/>
+              </a:solidFill>
+              <a:effectLst/>
+              <a:latin typeface="+mn-lt"/>
+              <a:ea typeface="+mn-ea"/>
+              <a:cs typeface="+mn-cs"/>
+            </a:endParaRPr>
           </a:p>
           <a:p>
             <a:endParaRPr lang="es-PE" dirty="0"/>
@@ -24645,7 +24519,7 @@
           <a:p>
             <a:fld id="{3CDF921A-03C6-4718-B29D-DA210FB6DD20}" type="datetimeFigureOut">
               <a:rPr lang="es-PE" smtClean="0"/>
-              <a:t>17/09/2017</a:t>
+              <a:t>18/09/2017</a:t>
             </a:fld>
             <a:endParaRPr lang="es-PE"/>
           </a:p>
@@ -24822,7 +24696,7 @@
           <a:p>
             <a:fld id="{3CDF921A-03C6-4718-B29D-DA210FB6DD20}" type="datetimeFigureOut">
               <a:rPr lang="es-PE" smtClean="0"/>
-              <a:t>17/09/2017</a:t>
+              <a:t>18/09/2017</a:t>
             </a:fld>
             <a:endParaRPr lang="es-PE"/>
           </a:p>
@@ -25009,7 +24883,7 @@
           <a:p>
             <a:fld id="{3CDF921A-03C6-4718-B29D-DA210FB6DD20}" type="datetimeFigureOut">
               <a:rPr lang="es-PE" smtClean="0"/>
-              <a:t>17/09/2017</a:t>
+              <a:t>18/09/2017</a:t>
             </a:fld>
             <a:endParaRPr lang="es-PE"/>
           </a:p>
@@ -25249,7 +25123,7 @@
           <a:p>
             <a:fld id="{3CDF921A-03C6-4718-B29D-DA210FB6DD20}" type="datetimeFigureOut">
               <a:rPr lang="es-PE" smtClean="0"/>
-              <a:t>17/09/2017</a:t>
+              <a:t>18/09/2017</a:t>
             </a:fld>
             <a:endParaRPr lang="es-PE"/>
           </a:p>
@@ -25572,7 +25446,7 @@
           <a:p>
             <a:fld id="{3CDF921A-03C6-4718-B29D-DA210FB6DD20}" type="datetimeFigureOut">
               <a:rPr lang="es-PE" smtClean="0"/>
-              <a:t>17/09/2017</a:t>
+              <a:t>18/09/2017</a:t>
             </a:fld>
             <a:endParaRPr lang="es-PE"/>
           </a:p>
@@ -25867,7 +25741,7 @@
           <a:p>
             <a:fld id="{3CDF921A-03C6-4718-B29D-DA210FB6DD20}" type="datetimeFigureOut">
               <a:rPr lang="es-PE" smtClean="0"/>
-              <a:t>17/09/2017</a:t>
+              <a:t>18/09/2017</a:t>
             </a:fld>
             <a:endParaRPr lang="es-PE"/>
           </a:p>
@@ -26296,7 +26170,7 @@
           <a:p>
             <a:fld id="{3CDF921A-03C6-4718-B29D-DA210FB6DD20}" type="datetimeFigureOut">
               <a:rPr lang="es-PE" smtClean="0"/>
-              <a:t>17/09/2017</a:t>
+              <a:t>18/09/2017</a:t>
             </a:fld>
             <a:endParaRPr lang="es-PE"/>
           </a:p>
@@ -26439,7 +26313,7 @@
           <a:p>
             <a:fld id="{3CDF921A-03C6-4718-B29D-DA210FB6DD20}" type="datetimeFigureOut">
               <a:rPr lang="es-PE" smtClean="0"/>
-              <a:t>17/09/2017</a:t>
+              <a:t>18/09/2017</a:t>
             </a:fld>
             <a:endParaRPr lang="es-PE"/>
           </a:p>
@@ -26611,7 +26485,7 @@
           <a:p>
             <a:fld id="{3CDF921A-03C6-4718-B29D-DA210FB6DD20}" type="datetimeFigureOut">
               <a:rPr lang="es-PE" smtClean="0"/>
-              <a:t>17/09/2017</a:t>
+              <a:t>18/09/2017</a:t>
             </a:fld>
             <a:endParaRPr lang="es-PE"/>
           </a:p>
@@ -26965,7 +26839,7 @@
           <a:p>
             <a:fld id="{3CDF921A-03C6-4718-B29D-DA210FB6DD20}" type="datetimeFigureOut">
               <a:rPr lang="es-PE" smtClean="0"/>
-              <a:t>17/09/2017</a:t>
+              <a:t>18/09/2017</a:t>
             </a:fld>
             <a:endParaRPr lang="es-PE"/>
           </a:p>
@@ -27225,7 +27099,7 @@
           <a:p>
             <a:fld id="{3CDF921A-03C6-4718-B29D-DA210FB6DD20}" type="datetimeFigureOut">
               <a:rPr lang="es-PE" smtClean="0"/>
-              <a:t>17/09/2017</a:t>
+              <a:t>18/09/2017</a:t>
             </a:fld>
             <a:endParaRPr lang="es-PE"/>
           </a:p>
@@ -27445,7 +27319,7 @@
           <a:p>
             <a:fld id="{3CDF921A-03C6-4718-B29D-DA210FB6DD20}" type="datetimeFigureOut">
               <a:rPr lang="es-PE" smtClean="0"/>
-              <a:t>17/09/2017</a:t>
+              <a:t>18/09/2017</a:t>
             </a:fld>
             <a:endParaRPr lang="es-PE"/>
           </a:p>
@@ -29213,14 +29087,7 @@
                 <a:latin typeface="Arial" panose="020B0604020202020204" pitchFamily="34" charset="0"/>
                 <a:cs typeface="Arial" panose="020B0604020202020204" pitchFamily="34" charset="0"/>
               </a:rPr>
-              <a:t>Cuadrante </a:t>
-            </a:r>
-            <a:r>
-              <a:rPr lang="es-PE" sz="1600" dirty="0" smtClean="0">
-                <a:latin typeface="Arial" panose="020B0604020202020204" pitchFamily="34" charset="0"/>
-                <a:cs typeface="Arial" panose="020B0604020202020204" pitchFamily="34" charset="0"/>
-              </a:rPr>
-              <a:t>II</a:t>
+              <a:t>Cuadrante II</a:t>
             </a:r>
             <a:endParaRPr lang="es-PE" sz="1600" dirty="0">
               <a:latin typeface="Arial" panose="020B0604020202020204" pitchFamily="34" charset="0"/>
@@ -29337,33 +29204,8 @@
                 <a:latin typeface="Arial" panose="020B0604020202020204" pitchFamily="34" charset="0"/>
                 <a:cs typeface="Arial" panose="020B0604020202020204" pitchFamily="34" charset="0"/>
               </a:rPr>
-              <a:t>(</a:t>
-            </a:r>
-            <a:r>
-              <a:rPr lang="es-PE" sz="1600" dirty="0" smtClean="0">
-                <a:latin typeface="Arial" panose="020B0604020202020204" pitchFamily="34" charset="0"/>
-                <a:cs typeface="Arial" panose="020B0604020202020204" pitchFamily="34" charset="0"/>
-              </a:rPr>
-              <a:t>Enfoque tipo </a:t>
-            </a:r>
-            <a:r>
-              <a:rPr lang="es-PE" sz="1600" dirty="0" smtClean="0">
-                <a:latin typeface="Arial" panose="020B0604020202020204" pitchFamily="34" charset="0"/>
-                <a:cs typeface="Arial" panose="020B0604020202020204" pitchFamily="34" charset="0"/>
-              </a:rPr>
-              <a:t>5</a:t>
-            </a:r>
-            <a:r>
-              <a:rPr lang="es-PE" sz="1600" dirty="0" smtClean="0">
-                <a:latin typeface="Arial" panose="020B0604020202020204" pitchFamily="34" charset="0"/>
-                <a:cs typeface="Arial" panose="020B0604020202020204" pitchFamily="34" charset="0"/>
-              </a:rPr>
-              <a:t>)</a:t>
-            </a:r>
-            <a:endParaRPr lang="es-PE" sz="1600" dirty="0" smtClean="0">
-              <a:latin typeface="Arial" panose="020B0604020202020204" pitchFamily="34" charset="0"/>
-              <a:cs typeface="Arial" panose="020B0604020202020204" pitchFamily="34" charset="0"/>
-            </a:endParaRPr>
+              <a:t>(Enfoque tipo 5)</a:t>
+            </a:r>
           </a:p>
         </p:txBody>
       </p:sp>
@@ -30636,15 +30478,6 @@
               </a:rPr>
               <a:t>Escáner 3D</a:t>
             </a:r>
-            <a:endParaRPr lang="es-PE" sz="1600" b="1" dirty="0">
-              <a:solidFill>
-                <a:schemeClr val="tx2">
-                  <a:lumMod val="75000"/>
-                </a:schemeClr>
-              </a:solidFill>
-              <a:latin typeface="Arial" panose="020B0604020202020204" pitchFamily="34" charset="0"/>
-              <a:cs typeface="Arial" panose="020B0604020202020204" pitchFamily="34" charset="0"/>
-            </a:endParaRPr>
           </a:p>
         </p:txBody>
       </p:sp>
@@ -31111,47 +30944,6 @@
           </a:p>
         </p:txBody>
       </p:sp>
-      <p:pic>
-        <p:nvPicPr>
-          <p:cNvPr id="2050" name="Picture 2" descr="https://cursos.com/wp-content/uploads/2016/11/Visitadormedico.jpg"/>
-          <p:cNvPicPr>
-            <a:picLocks noChangeAspect="1" noChangeArrowheads="1"/>
-          </p:cNvPicPr>
-          <p:nvPr/>
-        </p:nvPicPr>
-        <p:blipFill>
-          <a:blip r:embed="rId3" cstate="print">
-            <a:extLst>
-              <a:ext uri="{28A0092B-C50C-407E-A947-70E740481C1C}">
-                <a14:useLocalDpi xmlns:a14="http://schemas.microsoft.com/office/drawing/2010/main" val="0"/>
-              </a:ext>
-            </a:extLst>
-          </a:blip>
-          <a:srcRect/>
-          <a:stretch>
-            <a:fillRect/>
-          </a:stretch>
-        </p:blipFill>
-        <p:spPr bwMode="auto">
-          <a:xfrm>
-            <a:off x="5684683" y="1140462"/>
-            <a:ext cx="3459318" cy="2295384"/>
-          </a:xfrm>
-          <a:prstGeom prst="rect">
-            <a:avLst/>
-          </a:prstGeom>
-          <a:noFill/>
-          <a:extLst>
-            <a:ext uri="{909E8E84-426E-40DD-AFC4-6F175D3DCCD1}">
-              <a14:hiddenFill xmlns:a14="http://schemas.microsoft.com/office/drawing/2010/main">
-                <a:solidFill>
-                  <a:srgbClr val="FFFFFF"/>
-                </a:solidFill>
-              </a14:hiddenFill>
-            </a:ext>
-          </a:extLst>
-        </p:spPr>
-      </p:pic>
       <p:sp>
         <p:nvSpPr>
           <p:cNvPr id="2" name="1 Rectángulo"/>
@@ -31233,6 +31025,60 @@
           </a:p>
         </p:txBody>
       </p:sp>
+      <p:pic>
+        <p:nvPicPr>
+          <p:cNvPr id="1026" name="Picture 2"/>
+          <p:cNvPicPr>
+            <a:picLocks noChangeAspect="1" noChangeArrowheads="1"/>
+          </p:cNvPicPr>
+          <p:nvPr/>
+        </p:nvPicPr>
+        <p:blipFill>
+          <a:blip r:embed="rId3">
+            <a:extLst>
+              <a:ext uri="{28A0092B-C50C-407E-A947-70E740481C1C}">
+                <a14:useLocalDpi xmlns:a14="http://schemas.microsoft.com/office/drawing/2010/main" val="0"/>
+              </a:ext>
+            </a:extLst>
+          </a:blip>
+          <a:srcRect/>
+          <a:stretch>
+            <a:fillRect/>
+          </a:stretch>
+        </p:blipFill>
+        <p:spPr bwMode="auto">
+          <a:xfrm>
+            <a:off x="5580228" y="909726"/>
+            <a:ext cx="3563772" cy="2288724"/>
+          </a:xfrm>
+          <a:prstGeom prst="rect">
+            <a:avLst/>
+          </a:prstGeom>
+          <a:noFill/>
+          <a:ln>
+            <a:noFill/>
+          </a:ln>
+          <a:extLst>
+            <a:ext uri="{909E8E84-426E-40DD-AFC4-6F175D3DCCD1}">
+              <a14:hiddenFill xmlns:a14="http://schemas.microsoft.com/office/drawing/2010/main">
+                <a:solidFill>
+                  <a:schemeClr val="accent1"/>
+                </a:solidFill>
+              </a14:hiddenFill>
+            </a:ext>
+            <a:ext uri="{91240B29-F687-4F45-9708-019B960494DF}">
+              <a14:hiddenLine xmlns:a14="http://schemas.microsoft.com/office/drawing/2010/main" w="9525">
+                <a:solidFill>
+                  <a:schemeClr val="tx1"/>
+                </a:solidFill>
+                <a:miter lim="800000"/>
+                <a:headEnd/>
+                <a:tailEnd/>
+              </a14:hiddenLine>
+            </a:ext>
+          </a:extLst>
+        </p:spPr>
+      </p:pic>
     </p:spTree>
     <p:extLst>
       <p:ext uri="{BB962C8B-B14F-4D97-AF65-F5344CB8AC3E}">
@@ -31665,6 +31511,47 @@
           <a:xfrm>
             <a:off x="6223056" y="1072613"/>
             <a:ext cx="2920944" cy="1643031"/>
+          </a:xfrm>
+          <a:prstGeom prst="rect">
+            <a:avLst/>
+          </a:prstGeom>
+          <a:noFill/>
+          <a:extLst>
+            <a:ext uri="{909E8E84-426E-40DD-AFC4-6F175D3DCCD1}">
+              <a14:hiddenFill xmlns:a14="http://schemas.microsoft.com/office/drawing/2010/main">
+                <a:solidFill>
+                  <a:srgbClr val="FFFFFF"/>
+                </a:solidFill>
+              </a14:hiddenFill>
+            </a:ext>
+          </a:extLst>
+        </p:spPr>
+      </p:pic>
+      <p:pic>
+        <p:nvPicPr>
+          <p:cNvPr id="2050" name="Picture 2" descr="Imagen relacionada"/>
+          <p:cNvPicPr>
+            <a:picLocks noChangeAspect="1" noChangeArrowheads="1"/>
+          </p:cNvPicPr>
+          <p:nvPr/>
+        </p:nvPicPr>
+        <p:blipFill>
+          <a:blip r:embed="rId5" cstate="print">
+            <a:extLst>
+              <a:ext uri="{28A0092B-C50C-407E-A947-70E740481C1C}">
+                <a14:useLocalDpi xmlns:a14="http://schemas.microsoft.com/office/drawing/2010/main" val="0"/>
+              </a:ext>
+            </a:extLst>
+          </a:blip>
+          <a:srcRect/>
+          <a:stretch>
+            <a:fillRect/>
+          </a:stretch>
+        </p:blipFill>
+        <p:spPr bwMode="auto">
+          <a:xfrm>
+            <a:off x="33674" y="3787731"/>
+            <a:ext cx="1567418" cy="1113450"/>
           </a:xfrm>
           <a:prstGeom prst="rect">
             <a:avLst/>
@@ -32770,89 +32657,8 @@
                 <a:latin typeface="Arial" panose="020B0604020202020204" pitchFamily="34" charset="0"/>
                 <a:cs typeface="Arial" panose="020B0604020202020204" pitchFamily="34" charset="0"/>
               </a:rPr>
-              <a:t>Evaluación </a:t>
-            </a:r>
-            <a:r>
-              <a:rPr lang="es-PE" b="1" dirty="0">
-                <a:solidFill>
-                  <a:schemeClr val="tx2">
-                    <a:lumMod val="75000"/>
-                  </a:schemeClr>
-                </a:solidFill>
-                <a:latin typeface="Arial" panose="020B0604020202020204" pitchFamily="34" charset="0"/>
-                <a:cs typeface="Arial" panose="020B0604020202020204" pitchFamily="34" charset="0"/>
-              </a:rPr>
-              <a:t>del </a:t>
-            </a:r>
-            <a:r>
-              <a:rPr lang="es-PE" b="1" dirty="0">
-                <a:solidFill>
-                  <a:schemeClr val="tx2">
-                    <a:lumMod val="75000"/>
-                  </a:schemeClr>
-                </a:solidFill>
-                <a:latin typeface="Arial" panose="020B0604020202020204" pitchFamily="34" charset="0"/>
-                <a:cs typeface="Arial" panose="020B0604020202020204" pitchFamily="34" charset="0"/>
-              </a:rPr>
-              <a:t>valor actual </a:t>
-            </a:r>
-            <a:r>
-              <a:rPr lang="es-PE" b="1" dirty="0">
-                <a:solidFill>
-                  <a:schemeClr val="tx2">
-                    <a:lumMod val="75000"/>
-                  </a:schemeClr>
-                </a:solidFill>
-                <a:latin typeface="Arial" panose="020B0604020202020204" pitchFamily="34" charset="0"/>
-                <a:cs typeface="Arial" panose="020B0604020202020204" pitchFamily="34" charset="0"/>
-              </a:rPr>
-              <a:t>neto: </a:t>
-            </a:r>
-            <a:r>
-              <a:rPr lang="es-PE" b="1" dirty="0">
-                <a:solidFill>
-                  <a:schemeClr val="tx2">
-                    <a:lumMod val="75000"/>
-                  </a:schemeClr>
-                </a:solidFill>
-                <a:latin typeface="Arial" panose="020B0604020202020204" pitchFamily="34" charset="0"/>
-                <a:cs typeface="Arial" panose="020B0604020202020204" pitchFamily="34" charset="0"/>
-              </a:rPr>
-              <a:t>aplicar el plan estratégico versus no </a:t>
-            </a:r>
-            <a:r>
-              <a:rPr lang="es-PE" b="1" dirty="0">
-                <a:solidFill>
-                  <a:schemeClr val="tx2">
-                    <a:lumMod val="75000"/>
-                  </a:schemeClr>
-                </a:solidFill>
-                <a:latin typeface="Arial" panose="020B0604020202020204" pitchFamily="34" charset="0"/>
-                <a:cs typeface="Arial" panose="020B0604020202020204" pitchFamily="34" charset="0"/>
-              </a:rPr>
-              <a:t>aplicarlo</a:t>
-            </a:r>
-            <a:r>
-              <a:rPr lang="es-PE" b="1" dirty="0">
-                <a:solidFill>
-                  <a:schemeClr val="tx2">
-                    <a:lumMod val="75000"/>
-                  </a:schemeClr>
-                </a:solidFill>
-                <a:latin typeface="Arial" panose="020B0604020202020204" pitchFamily="34" charset="0"/>
-                <a:cs typeface="Arial" panose="020B0604020202020204" pitchFamily="34" charset="0"/>
-              </a:rPr>
-              <a:t>.</a:t>
-            </a:r>
-            <a:endParaRPr lang="es-PE" b="1" dirty="0">
-              <a:solidFill>
-                <a:schemeClr val="tx2">
-                  <a:lumMod val="75000"/>
-                </a:schemeClr>
-              </a:solidFill>
-              <a:latin typeface="Arial" panose="020B0604020202020204" pitchFamily="34" charset="0"/>
-              <a:cs typeface="Arial" panose="020B0604020202020204" pitchFamily="34" charset="0"/>
-            </a:endParaRPr>
+              <a:t>Evaluación del valor actual neto: aplicar el plan estratégico versus no aplicarlo.</a:t>
+            </a:r>
           </a:p>
         </p:txBody>
       </p:sp>
@@ -32872,7 +32678,7 @@
         </p:nvGraphicFramePr>
         <p:xfrm>
           <a:off x="310476" y="1933166"/>
-          <a:ext cx="8229600" cy="2654808"/>
+          <a:ext cx="8229600" cy="2926080"/>
         </p:xfrm>
         <a:graphic>
           <a:graphicData uri="http://schemas.openxmlformats.org/drawingml/2006/table">
@@ -33670,19 +33476,7 @@
                 <a:latin typeface="Arial" panose="020B0604020202020204" pitchFamily="34" charset="0"/>
                 <a:cs typeface="Arial" panose="020B0604020202020204" pitchFamily="34" charset="0"/>
               </a:rPr>
-              <a:t>Qué </a:t>
-            </a:r>
-            <a:r>
-              <a:rPr lang="es-PE" sz="1800" b="1" dirty="0" smtClean="0">
-                <a:solidFill>
-                  <a:schemeClr val="tx2">
-                    <a:lumMod val="75000"/>
-                  </a:schemeClr>
-                </a:solidFill>
-                <a:latin typeface="Arial" panose="020B0604020202020204" pitchFamily="34" charset="0"/>
-                <a:cs typeface="Arial" panose="020B0604020202020204" pitchFamily="34" charset="0"/>
-              </a:rPr>
-              <a:t>es Starkey?</a:t>
+              <a:t>Qué es Starkey?</a:t>
             </a:r>
             <a:endParaRPr lang="es-PE" sz="1800" dirty="0">
               <a:solidFill>
@@ -33815,10 +33609,6 @@
               </a:rPr>
               <a:t>50 años de experiencia.</a:t>
             </a:r>
-            <a:endParaRPr lang="es-PE" sz="1600" dirty="0" smtClean="0">
-              <a:latin typeface="Arial" panose="020B0604020202020204" pitchFamily="34" charset="0"/>
-              <a:cs typeface="Arial" panose="020B0604020202020204" pitchFamily="34" charset="0"/>
-            </a:endParaRPr>
           </a:p>
           <a:p>
             <a:pPr marL="285750" indent="-285750">
@@ -33843,33 +33633,8 @@
                 <a:latin typeface="Arial" panose="020B0604020202020204" pitchFamily="34" charset="0"/>
                 <a:cs typeface="Arial" panose="020B0604020202020204" pitchFamily="34" charset="0"/>
               </a:rPr>
-              <a:t>2011 </a:t>
-            </a:r>
-            <a:r>
-              <a:rPr lang="es-PE" sz="1600" dirty="0" smtClean="0">
-                <a:latin typeface="Arial" panose="020B0604020202020204" pitchFamily="34" charset="0"/>
-                <a:cs typeface="Arial" panose="020B0604020202020204" pitchFamily="34" charset="0"/>
-              </a:rPr>
-              <a:t>inicia compra de Tecnología </a:t>
-            </a:r>
-            <a:r>
-              <a:rPr lang="es-PE" sz="1600" dirty="0" smtClean="0">
-                <a:latin typeface="Arial" panose="020B0604020202020204" pitchFamily="34" charset="0"/>
-                <a:cs typeface="Arial" panose="020B0604020202020204" pitchFamily="34" charset="0"/>
-              </a:rPr>
-              <a:t>Auditiva </a:t>
-            </a:r>
-            <a:r>
-              <a:rPr lang="es-PE" sz="1600" dirty="0" smtClean="0">
-                <a:latin typeface="Arial" panose="020B0604020202020204" pitchFamily="34" charset="0"/>
-                <a:cs typeface="Arial" panose="020B0604020202020204" pitchFamily="34" charset="0"/>
-              </a:rPr>
-              <a:t>Americana (TAA).</a:t>
-            </a:r>
-            <a:endParaRPr lang="es-PE" sz="1600" dirty="0" smtClean="0">
-              <a:latin typeface="Arial" panose="020B0604020202020204" pitchFamily="34" charset="0"/>
-              <a:cs typeface="Arial" panose="020B0604020202020204" pitchFamily="34" charset="0"/>
-            </a:endParaRPr>
+              <a:t>2011 inicia compra de Tecnología Auditiva Americana (TAA).</a:t>
+            </a:r>
           </a:p>
           <a:p>
             <a:pPr marL="285750" indent="-285750">
@@ -33881,21 +33646,7 @@
                 <a:latin typeface="Arial" panose="020B0604020202020204" pitchFamily="34" charset="0"/>
                 <a:cs typeface="Arial" panose="020B0604020202020204" pitchFamily="34" charset="0"/>
               </a:rPr>
-              <a:t>TAA posee  25 </a:t>
-            </a:r>
-            <a:r>
-              <a:rPr lang="es-PE" sz="1600" dirty="0" smtClean="0">
-                <a:latin typeface="Arial" panose="020B0604020202020204" pitchFamily="34" charset="0"/>
-                <a:cs typeface="Arial" panose="020B0604020202020204" pitchFamily="34" charset="0"/>
-              </a:rPr>
-              <a:t>años de trayectoria en el </a:t>
-            </a:r>
-            <a:r>
-              <a:rPr lang="es-PE" sz="1600" dirty="0" smtClean="0">
-                <a:latin typeface="Arial" panose="020B0604020202020204" pitchFamily="34" charset="0"/>
-                <a:cs typeface="Arial" panose="020B0604020202020204" pitchFamily="34" charset="0"/>
-              </a:rPr>
-              <a:t>Perú.</a:t>
+              <a:t>TAA posee  25 años de trayectoria en el Perú.</a:t>
             </a:r>
           </a:p>
         </p:txBody>
@@ -34251,15 +34002,6 @@
               </a:rPr>
               <a:t>Conclusiones y Recomendaciones </a:t>
             </a:r>
-            <a:endParaRPr lang="es-PE" sz="2800" b="1" dirty="0">
-              <a:solidFill>
-                <a:schemeClr val="tx2">
-                  <a:lumMod val="75000"/>
-                </a:schemeClr>
-              </a:solidFill>
-              <a:latin typeface="Arial" panose="020B0604020202020204" pitchFamily="34" charset="0"/>
-              <a:cs typeface="Arial" panose="020B0604020202020204" pitchFamily="34" charset="0"/>
-            </a:endParaRPr>
           </a:p>
         </p:txBody>
       </p:sp>
@@ -34812,19 +34554,7 @@
                 <a:latin typeface="Arial" panose="020B0604020202020204" pitchFamily="34" charset="0"/>
                 <a:cs typeface="Arial" panose="020B0604020202020204" pitchFamily="34" charset="0"/>
               </a:rPr>
-              <a:t>Modelo de </a:t>
-            </a:r>
-            <a:r>
-              <a:rPr lang="es-PE" sz="2800" b="1" dirty="0" smtClean="0">
-                <a:solidFill>
-                  <a:schemeClr val="tx2">
-                    <a:lumMod val="75000"/>
-                  </a:schemeClr>
-                </a:solidFill>
-                <a:latin typeface="Arial" panose="020B0604020202020204" pitchFamily="34" charset="0"/>
-                <a:cs typeface="Arial" panose="020B0604020202020204" pitchFamily="34" charset="0"/>
-              </a:rPr>
-              <a:t>negocio Starkey Perú</a:t>
+              <a:t>Modelo de negocio Starkey Perú</a:t>
             </a:r>
             <a:endParaRPr lang="es-PE" sz="2800" b="1" dirty="0">
               <a:solidFill>
@@ -35015,16 +34745,6 @@
               </a:rPr>
               <a:t>familiares.</a:t>
             </a:r>
-            <a:endParaRPr lang="es-ES" sz="1600" dirty="0" smtClean="0">
-              <a:solidFill>
-                <a:schemeClr val="tx2">
-                  <a:lumMod val="75000"/>
-                </a:schemeClr>
-              </a:solidFill>
-              <a:latin typeface="Arial" panose="020B0604020202020204" pitchFamily="34" charset="0"/>
-              <a:cs typeface="Arial" panose="020B0604020202020204" pitchFamily="34" charset="0"/>
-              <a:sym typeface="Arial"/>
-            </a:endParaRPr>
           </a:p>
         </p:txBody>
       </p:sp>
@@ -35292,8 +35012,10 @@
                 <a:cs typeface="Arial" panose="020B0604020202020204" pitchFamily="34" charset="0"/>
                 <a:sym typeface="Arial"/>
               </a:rPr>
-              <a:t>Centros </a:t>
-            </a:r>
+              <a:t>Centros Auditivos.</a:t>
+            </a:r>
+          </a:p>
+          <a:p>
             <a:r>
               <a:rPr lang="es-ES" sz="1600" dirty="0" smtClean="0">
                 <a:solidFill>
@@ -35305,18 +35027,8 @@
                 <a:cs typeface="Arial" panose="020B0604020202020204" pitchFamily="34" charset="0"/>
                 <a:sym typeface="Arial"/>
               </a:rPr>
-              <a:t>Auditivos.</a:t>
-            </a:r>
-            <a:endParaRPr lang="es-ES" sz="1600" dirty="0" smtClean="0">
-              <a:solidFill>
-                <a:schemeClr val="tx2">
-                  <a:lumMod val="75000"/>
-                </a:schemeClr>
-              </a:solidFill>
-              <a:latin typeface="Arial" panose="020B0604020202020204" pitchFamily="34" charset="0"/>
-              <a:cs typeface="Arial" panose="020B0604020202020204" pitchFamily="34" charset="0"/>
-              <a:sym typeface="Arial"/>
-            </a:endParaRPr>
+              <a:t>Sitio web y RRSS.</a:t>
+            </a:r>
           </a:p>
           <a:p>
             <a:r>
@@ -35330,58 +35042,7 @@
                 <a:cs typeface="Arial" panose="020B0604020202020204" pitchFamily="34" charset="0"/>
                 <a:sym typeface="Arial"/>
               </a:rPr>
-              <a:t>Sitio web y </a:t>
-            </a:r>
-            <a:r>
-              <a:rPr lang="es-ES" sz="1600" dirty="0" smtClean="0">
-                <a:solidFill>
-                  <a:schemeClr val="tx2">
-                    <a:lumMod val="75000"/>
-                  </a:schemeClr>
-                </a:solidFill>
-                <a:latin typeface="Arial" panose="020B0604020202020204" pitchFamily="34" charset="0"/>
-                <a:cs typeface="Arial" panose="020B0604020202020204" pitchFamily="34" charset="0"/>
-                <a:sym typeface="Arial"/>
-              </a:rPr>
-              <a:t>RRSS.</a:t>
-            </a:r>
-            <a:endParaRPr lang="es-ES" sz="1600" dirty="0" smtClean="0">
-              <a:solidFill>
-                <a:schemeClr val="tx2">
-                  <a:lumMod val="75000"/>
-                </a:schemeClr>
-              </a:solidFill>
-              <a:latin typeface="Arial" panose="020B0604020202020204" pitchFamily="34" charset="0"/>
-              <a:cs typeface="Arial" panose="020B0604020202020204" pitchFamily="34" charset="0"/>
-              <a:sym typeface="Arial"/>
-            </a:endParaRPr>
-          </a:p>
-          <a:p>
-            <a:r>
-              <a:rPr lang="es-ES" sz="1600" dirty="0" smtClean="0">
-                <a:solidFill>
-                  <a:schemeClr val="tx2">
-                    <a:lumMod val="75000"/>
-                  </a:schemeClr>
-                </a:solidFill>
-                <a:latin typeface="Arial" panose="020B0604020202020204" pitchFamily="34" charset="0"/>
-                <a:cs typeface="Arial" panose="020B0604020202020204" pitchFamily="34" charset="0"/>
-                <a:sym typeface="Arial"/>
-              </a:rPr>
-              <a:t>Otorrinos </a:t>
-            </a:r>
-            <a:r>
-              <a:rPr lang="es-ES" sz="1600" dirty="0" smtClean="0">
-                <a:solidFill>
-                  <a:schemeClr val="tx2">
-                    <a:lumMod val="75000"/>
-                  </a:schemeClr>
-                </a:solidFill>
-                <a:latin typeface="Arial" panose="020B0604020202020204" pitchFamily="34" charset="0"/>
-                <a:cs typeface="Arial" panose="020B0604020202020204" pitchFamily="34" charset="0"/>
-                <a:sym typeface="Arial"/>
-              </a:rPr>
-              <a:t>Laringólogos.</a:t>
+              <a:t>Otorrinos Laringólogos.</a:t>
             </a:r>
             <a:endParaRPr lang="es-ES" sz="1600" dirty="0">
               <a:solidFill>
@@ -35496,16 +35157,6 @@
               </a:rPr>
               <a:t>Tecnología.</a:t>
             </a:r>
-            <a:endParaRPr lang="es-ES" sz="1600" dirty="0" smtClean="0">
-              <a:solidFill>
-                <a:schemeClr val="tx2">
-                  <a:lumMod val="75000"/>
-                </a:schemeClr>
-              </a:solidFill>
-              <a:latin typeface="Arial" panose="020B0604020202020204" pitchFamily="34" charset="0"/>
-              <a:cs typeface="Arial" panose="020B0604020202020204" pitchFamily="34" charset="0"/>
-              <a:sym typeface="Arial"/>
-            </a:endParaRPr>
           </a:p>
           <a:p>
             <a:r>
@@ -35519,8 +35170,10 @@
                 <a:cs typeface="Arial" panose="020B0604020202020204" pitchFamily="34" charset="0"/>
                 <a:sym typeface="Arial"/>
               </a:rPr>
-              <a:t>Calidad de </a:t>
-            </a:r>
+              <a:t>Calidad de atención.</a:t>
+            </a:r>
+          </a:p>
+          <a:p>
             <a:r>
               <a:rPr lang="es-ES" sz="1600" dirty="0" smtClean="0">
                 <a:solidFill>
@@ -35532,18 +35185,8 @@
                 <a:cs typeface="Arial" panose="020B0604020202020204" pitchFamily="34" charset="0"/>
                 <a:sym typeface="Arial"/>
               </a:rPr>
-              <a:t>atención.</a:t>
-            </a:r>
-            <a:endParaRPr lang="es-ES" sz="1600" dirty="0" smtClean="0">
-              <a:solidFill>
-                <a:schemeClr val="tx2">
-                  <a:lumMod val="75000"/>
-                </a:schemeClr>
-              </a:solidFill>
-              <a:latin typeface="Arial" panose="020B0604020202020204" pitchFamily="34" charset="0"/>
-              <a:cs typeface="Arial" panose="020B0604020202020204" pitchFamily="34" charset="0"/>
-              <a:sym typeface="Arial"/>
-            </a:endParaRPr>
+              <a:t>Centros auditivos.</a:t>
+            </a:r>
           </a:p>
           <a:p>
             <a:r>
@@ -35557,58 +35200,7 @@
                 <a:cs typeface="Arial" panose="020B0604020202020204" pitchFamily="34" charset="0"/>
                 <a:sym typeface="Arial"/>
               </a:rPr>
-              <a:t>Centros </a:t>
-            </a:r>
-            <a:r>
-              <a:rPr lang="es-ES" sz="1600" dirty="0" smtClean="0">
-                <a:solidFill>
-                  <a:schemeClr val="tx2">
-                    <a:lumMod val="75000"/>
-                  </a:schemeClr>
-                </a:solidFill>
-                <a:latin typeface="Arial" panose="020B0604020202020204" pitchFamily="34" charset="0"/>
-                <a:cs typeface="Arial" panose="020B0604020202020204" pitchFamily="34" charset="0"/>
-                <a:sym typeface="Arial"/>
-              </a:rPr>
-              <a:t>auditivos.</a:t>
-            </a:r>
-            <a:endParaRPr lang="es-ES" sz="1600" dirty="0" smtClean="0">
-              <a:solidFill>
-                <a:schemeClr val="tx2">
-                  <a:lumMod val="75000"/>
-                </a:schemeClr>
-              </a:solidFill>
-              <a:latin typeface="Arial" panose="020B0604020202020204" pitchFamily="34" charset="0"/>
-              <a:cs typeface="Arial" panose="020B0604020202020204" pitchFamily="34" charset="0"/>
-              <a:sym typeface="Arial"/>
-            </a:endParaRPr>
-          </a:p>
-          <a:p>
-            <a:r>
-              <a:rPr lang="es-ES" sz="1600" dirty="0" smtClean="0">
-                <a:solidFill>
-                  <a:schemeClr val="tx2">
-                    <a:lumMod val="75000"/>
-                  </a:schemeClr>
-                </a:solidFill>
-                <a:latin typeface="Arial" panose="020B0604020202020204" pitchFamily="34" charset="0"/>
-                <a:cs typeface="Arial" panose="020B0604020202020204" pitchFamily="34" charset="0"/>
-                <a:sym typeface="Arial"/>
-              </a:rPr>
-              <a:t>Prestigio de </a:t>
-            </a:r>
-            <a:r>
-              <a:rPr lang="es-ES" sz="1600" dirty="0" smtClean="0">
-                <a:solidFill>
-                  <a:schemeClr val="tx2">
-                    <a:lumMod val="75000"/>
-                  </a:schemeClr>
-                </a:solidFill>
-                <a:latin typeface="Arial" panose="020B0604020202020204" pitchFamily="34" charset="0"/>
-                <a:cs typeface="Arial" panose="020B0604020202020204" pitchFamily="34" charset="0"/>
-                <a:sym typeface="Arial"/>
-              </a:rPr>
-              <a:t>marca.</a:t>
+              <a:t>Prestigio de marca.</a:t>
             </a:r>
             <a:endParaRPr lang="es-ES" sz="1600" dirty="0">
               <a:solidFill>
@@ -35706,8 +35298,10 @@
                 <a:cs typeface="Arial" panose="020B0604020202020204" pitchFamily="34" charset="0"/>
                 <a:sym typeface="Arial"/>
               </a:rPr>
-              <a:t>Otorrinos </a:t>
-            </a:r>
+              <a:t>Otorrinos Laringólogos.</a:t>
+            </a:r>
+          </a:p>
+          <a:p>
             <a:r>
               <a:rPr lang="es-ES" sz="1600" dirty="0" smtClean="0">
                 <a:solidFill>
@@ -35719,56 +35313,8 @@
                 <a:cs typeface="Arial" panose="020B0604020202020204" pitchFamily="34" charset="0"/>
                 <a:sym typeface="Arial"/>
               </a:rPr>
-              <a:t>Laringólogos.</a:t>
-            </a:r>
-            <a:endParaRPr lang="es-ES" sz="1600" dirty="0" smtClean="0">
-              <a:solidFill>
-                <a:schemeClr val="tx2">
-                  <a:lumMod val="75000"/>
-                </a:schemeClr>
-              </a:solidFill>
-              <a:latin typeface="Arial" panose="020B0604020202020204" pitchFamily="34" charset="0"/>
-              <a:cs typeface="Arial" panose="020B0604020202020204" pitchFamily="34" charset="0"/>
-              <a:sym typeface="Arial"/>
-            </a:endParaRPr>
-          </a:p>
-          <a:p>
-            <a:r>
-              <a:rPr lang="es-ES" sz="1600" dirty="0" smtClean="0">
-                <a:solidFill>
-                  <a:schemeClr val="tx2">
-                    <a:lumMod val="75000"/>
-                  </a:schemeClr>
-                </a:solidFill>
-                <a:latin typeface="Arial" panose="020B0604020202020204" pitchFamily="34" charset="0"/>
-                <a:cs typeface="Arial" panose="020B0604020202020204" pitchFamily="34" charset="0"/>
-                <a:sym typeface="Arial"/>
-              </a:rPr>
-              <a:t>Starkey </a:t>
-            </a:r>
-            <a:r>
-              <a:rPr lang="es-ES" sz="1600" dirty="0" smtClean="0">
-                <a:solidFill>
-                  <a:schemeClr val="tx2">
-                    <a:lumMod val="75000"/>
-                  </a:schemeClr>
-                </a:solidFill>
-                <a:latin typeface="Arial" panose="020B0604020202020204" pitchFamily="34" charset="0"/>
-                <a:cs typeface="Arial" panose="020B0604020202020204" pitchFamily="34" charset="0"/>
-                <a:sym typeface="Arial"/>
-              </a:rPr>
-              <a:t>Internacional.</a:t>
-            </a:r>
-            <a:endParaRPr lang="es-ES" sz="1600" dirty="0" smtClean="0">
-              <a:solidFill>
-                <a:schemeClr val="tx2">
-                  <a:lumMod val="75000"/>
-                </a:schemeClr>
-              </a:solidFill>
-              <a:latin typeface="Arial" panose="020B0604020202020204" pitchFamily="34" charset="0"/>
-              <a:cs typeface="Arial" panose="020B0604020202020204" pitchFamily="34" charset="0"/>
-              <a:sym typeface="Arial"/>
-            </a:endParaRPr>
+              <a:t>Starkey Internacional.</a:t>
+            </a:r>
           </a:p>
           <a:p>
             <a:pPr algn="ctr"/>
@@ -36269,21 +35815,7 @@
                 <a:latin typeface="Arial" panose="020B0604020202020204" pitchFamily="34" charset="0"/>
                 <a:cs typeface="Arial" panose="020B0604020202020204" pitchFamily="34" charset="0"/>
               </a:rPr>
-              <a:t> </a:t>
-            </a:r>
-            <a:r>
-              <a:rPr lang="es-PE" sz="1600" b="1" dirty="0" smtClean="0">
-                <a:latin typeface="Arial" panose="020B0604020202020204" pitchFamily="34" charset="0"/>
-                <a:cs typeface="Arial" panose="020B0604020202020204" pitchFamily="34" charset="0"/>
-              </a:rPr>
-              <a:t>/ Industria </a:t>
-            </a:r>
-            <a:r>
-              <a:rPr lang="es-PE" sz="1600" b="1" dirty="0" smtClean="0">
-                <a:latin typeface="Arial" panose="020B0604020202020204" pitchFamily="34" charset="0"/>
-                <a:cs typeface="Arial" panose="020B0604020202020204" pitchFamily="34" charset="0"/>
-              </a:rPr>
-              <a:t>-&gt; </a:t>
+              <a:t> / Industria -&gt; </a:t>
             </a:r>
             <a:r>
               <a:rPr lang="es-PE" sz="1600" dirty="0">
@@ -36309,7 +35841,7 @@
           <p:nvPr>
             <p:extLst>
               <p:ext uri="{D42A27DB-BD31-4B8C-83A1-F6EECF244321}">
-                <p14:modId xmlns:p14="http://schemas.microsoft.com/office/powerpoint/2010/main" val="926687409"/>
+                <p14:modId xmlns:p14="http://schemas.microsoft.com/office/powerpoint/2010/main" val="999086457"/>
               </p:ext>
             </p:extLst>
           </p:nvPr>
@@ -36436,20 +35968,7 @@
                 <a:ea typeface="+mj-ea"/>
                 <a:cs typeface="Arial" panose="020B0604020202020204" pitchFamily="34" charset="0"/>
               </a:rPr>
-              <a:t>Factores </a:t>
-            </a:r>
-            <a:r>
-              <a:rPr lang="es-PE" b="1" dirty="0" smtClean="0">
-                <a:solidFill>
-                  <a:schemeClr val="tx2">
-                    <a:lumMod val="75000"/>
-                  </a:schemeClr>
-                </a:solidFill>
-                <a:latin typeface="Arial" panose="020B0604020202020204" pitchFamily="34" charset="0"/>
-                <a:ea typeface="+mj-ea"/>
-                <a:cs typeface="Arial" panose="020B0604020202020204" pitchFamily="34" charset="0"/>
-              </a:rPr>
-              <a:t>Internos (EFI): </a:t>
+              <a:t>Factores Internos (EFI): </a:t>
             </a:r>
             <a:r>
               <a:rPr lang="es-PE" dirty="0" smtClean="0">
@@ -36573,15 +36092,6 @@
               </a:rPr>
               <a:t>Análisis interno de la organización</a:t>
             </a:r>
-            <a:endParaRPr lang="es-PE" sz="2800" b="1" dirty="0">
-              <a:solidFill>
-                <a:schemeClr val="tx2">
-                  <a:lumMod val="75000"/>
-                </a:schemeClr>
-              </a:solidFill>
-              <a:latin typeface="Arial" panose="020B0604020202020204" pitchFamily="34" charset="0"/>
-              <a:cs typeface="Arial" panose="020B0604020202020204" pitchFamily="34" charset="0"/>
-            </a:endParaRPr>
           </a:p>
         </p:txBody>
       </p:sp>
@@ -37135,14 +36645,7 @@
                 <a:latin typeface="Arial" panose="020B0604020202020204" pitchFamily="34" charset="0"/>
                 <a:cs typeface="Arial" panose="020B0604020202020204" pitchFamily="34" charset="0"/>
               </a:rPr>
-              <a:t>2. </a:t>
-            </a:r>
-            <a:r>
-              <a:rPr lang="es-PE" sz="1600" dirty="0" smtClean="0">
-                <a:latin typeface="Arial" panose="020B0604020202020204" pitchFamily="34" charset="0"/>
-                <a:cs typeface="Arial" panose="020B0604020202020204" pitchFamily="34" charset="0"/>
-              </a:rPr>
-              <a:t>Recomendación </a:t>
+              <a:t>2. Recomendación </a:t>
             </a:r>
             <a:r>
               <a:rPr lang="es-PE" sz="1600" dirty="0">
